--- a/lectures/10/1_Data Analysis.pptx
+++ b/lectures/10/1_Data Analysis.pptx
@@ -6937,7 +6937,7 @@
           <a:p>
             <a:fld id="{73B2889B-A0AC-4482-8592-5C96F2309420}" type="datetimeFigureOut">
               <a:rPr lang="en-US" smtClean="0"/>
-              <a:t>3/20/2022</a:t>
+              <a:t>3/20/2023</a:t>
             </a:fld>
             <a:endParaRPr lang="en-US"/>
           </a:p>
@@ -7114,7 +7114,7 @@
           <a:p>
             <a:fld id="{830EB223-FFC0-462A-A3B8-EAA7CE0F8CBD}" type="datetimeFigureOut">
               <a:rPr lang="en-US" smtClean="0"/>
-              <a:t>3/20/2022</a:t>
+              <a:t>3/20/2023</a:t>
             </a:fld>
             <a:endParaRPr lang="en-US" dirty="0"/>
           </a:p>
@@ -10306,7 +10306,7 @@
           <a:p>
             <a:fld id="{8AF234EC-1E1E-4781-99A9-0A28CCB2B4BE}" type="datetime1">
               <a:rPr lang="en-US" smtClean="0"/>
-              <a:t>3/20/2022</a:t>
+              <a:t>3/20/2023</a:t>
             </a:fld>
             <a:endParaRPr lang="en-US" dirty="0"/>
           </a:p>
@@ -10508,7 +10508,7 @@
           <a:p>
             <a:fld id="{22A9C4EA-047E-4A78-A42D-B75F2DB9C834}" type="datetime1">
               <a:rPr lang="en-US" smtClean="0"/>
-              <a:t>3/20/2022</a:t>
+              <a:t>3/20/2023</a:t>
             </a:fld>
             <a:endParaRPr lang="en-US" dirty="0"/>
           </a:p>
@@ -10720,7 +10720,7 @@
           <a:p>
             <a:fld id="{AC42DE87-5538-44B3-819A-CF13FBCDF38E}" type="datetime1">
               <a:rPr lang="en-US" smtClean="0"/>
-              <a:t>3/20/2022</a:t>
+              <a:t>3/20/2023</a:t>
             </a:fld>
             <a:endParaRPr lang="en-US" dirty="0"/>
           </a:p>
@@ -10944,7 +10944,7 @@
           <a:p>
             <a:fld id="{DECF21A4-E71B-4D3A-AF45-E989C23A7BB1}" type="datetimeFigureOut">
               <a:rPr lang="en-US" smtClean="0"/>
-              <a:t>3/20/2022</a:t>
+              <a:t>3/20/2023</a:t>
             </a:fld>
             <a:endParaRPr lang="en-US" dirty="0"/>
           </a:p>
@@ -11142,7 +11142,7 @@
           <a:p>
             <a:fld id="{DECF21A4-E71B-4D3A-AF45-E989C23A7BB1}" type="datetimeFigureOut">
               <a:rPr lang="en-US" smtClean="0"/>
-              <a:t>3/20/2022</a:t>
+              <a:t>3/20/2023</a:t>
             </a:fld>
             <a:endParaRPr lang="en-US" dirty="0"/>
           </a:p>
@@ -11417,7 +11417,7 @@
           <a:p>
             <a:fld id="{DECF21A4-E71B-4D3A-AF45-E989C23A7BB1}" type="datetimeFigureOut">
               <a:rPr lang="en-US" smtClean="0"/>
-              <a:t>3/20/2022</a:t>
+              <a:t>3/20/2023</a:t>
             </a:fld>
             <a:endParaRPr lang="en-US" dirty="0"/>
           </a:p>
@@ -11682,7 +11682,7 @@
           <a:p>
             <a:fld id="{DECF21A4-E71B-4D3A-AF45-E989C23A7BB1}" type="datetimeFigureOut">
               <a:rPr lang="en-US" smtClean="0"/>
-              <a:t>3/20/2022</a:t>
+              <a:t>3/20/2023</a:t>
             </a:fld>
             <a:endParaRPr lang="en-US" dirty="0"/>
           </a:p>
@@ -12094,7 +12094,7 @@
           <a:p>
             <a:fld id="{DECF21A4-E71B-4D3A-AF45-E989C23A7BB1}" type="datetimeFigureOut">
               <a:rPr lang="en-US" smtClean="0"/>
-              <a:t>3/20/2022</a:t>
+              <a:t>3/20/2023</a:t>
             </a:fld>
             <a:endParaRPr lang="en-US" dirty="0"/>
           </a:p>
@@ -12235,7 +12235,7 @@
           <a:p>
             <a:fld id="{DECF21A4-E71B-4D3A-AF45-E989C23A7BB1}" type="datetimeFigureOut">
               <a:rPr lang="en-US" smtClean="0"/>
-              <a:t>3/20/2022</a:t>
+              <a:t>3/20/2023</a:t>
             </a:fld>
             <a:endParaRPr lang="en-US" dirty="0"/>
           </a:p>
@@ -12348,7 +12348,7 @@
           <a:p>
             <a:fld id="{DECF21A4-E71B-4D3A-AF45-E989C23A7BB1}" type="datetimeFigureOut">
               <a:rPr lang="en-US" smtClean="0"/>
-              <a:t>3/20/2022</a:t>
+              <a:t>3/20/2023</a:t>
             </a:fld>
             <a:endParaRPr lang="en-US" dirty="0"/>
           </a:p>
@@ -12659,7 +12659,7 @@
           <a:p>
             <a:fld id="{DECF21A4-E71B-4D3A-AF45-E989C23A7BB1}" type="datetimeFigureOut">
               <a:rPr lang="en-US" smtClean="0"/>
-              <a:t>3/20/2022</a:t>
+              <a:t>3/20/2023</a:t>
             </a:fld>
             <a:endParaRPr lang="en-US" dirty="0"/>
           </a:p>
@@ -12857,7 +12857,7 @@
           <a:p>
             <a:fld id="{18063F28-525C-4D2F-9462-E350E3E64AF6}" type="datetime1">
               <a:rPr lang="en-US" smtClean="0"/>
-              <a:t>3/20/2022</a:t>
+              <a:t>3/20/2023</a:t>
             </a:fld>
             <a:endParaRPr lang="en-US" dirty="0"/>
           </a:p>
@@ -13153,7 +13153,7 @@
           <a:p>
             <a:fld id="{DECF21A4-E71B-4D3A-AF45-E989C23A7BB1}" type="datetimeFigureOut">
               <a:rPr lang="en-US" smtClean="0"/>
-              <a:t>3/20/2022</a:t>
+              <a:t>3/20/2023</a:t>
             </a:fld>
             <a:endParaRPr lang="en-US" dirty="0"/>
           </a:p>
@@ -13351,7 +13351,7 @@
           <a:p>
             <a:fld id="{DECF21A4-E71B-4D3A-AF45-E989C23A7BB1}" type="datetimeFigureOut">
               <a:rPr lang="en-US" smtClean="0"/>
-              <a:t>3/20/2022</a:t>
+              <a:t>3/20/2023</a:t>
             </a:fld>
             <a:endParaRPr lang="en-US" dirty="0"/>
           </a:p>
@@ -13559,7 +13559,7 @@
           <a:p>
             <a:fld id="{DECF21A4-E71B-4D3A-AF45-E989C23A7BB1}" type="datetimeFigureOut">
               <a:rPr lang="en-US" smtClean="0"/>
-              <a:t>3/20/2022</a:t>
+              <a:t>3/20/2023</a:t>
             </a:fld>
             <a:endParaRPr lang="en-US" dirty="0"/>
           </a:p>
@@ -13834,7 +13834,7 @@
           <a:p>
             <a:fld id="{37CF39F8-67D0-454E-8A32-D01189D240B4}" type="datetime1">
               <a:rPr lang="en-US" smtClean="0"/>
-              <a:t>3/20/2022</a:t>
+              <a:t>3/20/2023</a:t>
             </a:fld>
             <a:endParaRPr lang="en-US" dirty="0"/>
           </a:p>
@@ -14103,7 +14103,7 @@
           <a:p>
             <a:fld id="{710022DA-7B43-4B05-9EB2-95FA5414D608}" type="datetime1">
               <a:rPr lang="en-US" smtClean="0"/>
-              <a:t>3/20/2022</a:t>
+              <a:t>3/20/2023</a:t>
             </a:fld>
             <a:endParaRPr lang="en-US" dirty="0"/>
           </a:p>
@@ -14519,7 +14519,7 @@
           <a:p>
             <a:fld id="{DCC0965F-5C4D-4D57-8560-49DE2E8F69E1}" type="datetime1">
               <a:rPr lang="en-US" smtClean="0"/>
-              <a:t>3/20/2022</a:t>
+              <a:t>3/20/2023</a:t>
             </a:fld>
             <a:endParaRPr lang="en-US" dirty="0"/>
           </a:p>
@@ -14664,7 +14664,7 @@
           <a:p>
             <a:fld id="{E470E1BA-6770-4704-AEF1-C1E53A826593}" type="datetime1">
               <a:rPr lang="en-US" smtClean="0"/>
-              <a:t>3/20/2022</a:t>
+              <a:t>3/20/2023</a:t>
             </a:fld>
             <a:endParaRPr lang="en-US" dirty="0"/>
           </a:p>
@@ -14781,7 +14781,7 @@
           <a:p>
             <a:fld id="{6D69FE86-AC42-4784-A62A-371E4E04F25D}" type="datetime1">
               <a:rPr lang="en-US" smtClean="0"/>
-              <a:t>3/20/2022</a:t>
+              <a:t>3/20/2023</a:t>
             </a:fld>
             <a:endParaRPr lang="en-US" dirty="0"/>
           </a:p>
@@ -15096,7 +15096,7 @@
           <a:p>
             <a:fld id="{563FD4EB-8A2B-4B15-81B4-AF489665346C}" type="datetime1">
               <a:rPr lang="en-US" smtClean="0"/>
-              <a:t>3/20/2022</a:t>
+              <a:t>3/20/2023</a:t>
             </a:fld>
             <a:endParaRPr lang="en-US" dirty="0"/>
           </a:p>
@@ -15392,7 +15392,7 @@
           <a:p>
             <a:fld id="{5AFB6B90-020F-4ADD-B4E0-542FB5BFAA23}" type="datetime1">
               <a:rPr lang="en-US" smtClean="0"/>
-              <a:t>3/20/2022</a:t>
+              <a:t>3/20/2023</a:t>
             </a:fld>
             <a:endParaRPr lang="en-US" dirty="0"/>
           </a:p>
@@ -15637,7 +15637,7 @@
           <a:p>
             <a:fld id="{BF3C8070-8CAD-4030-857E-B3DF8F925AC3}" type="datetime1">
               <a:rPr lang="en-US" smtClean="0"/>
-              <a:t>3/20/2022</a:t>
+              <a:t>3/20/2023</a:t>
             </a:fld>
             <a:endParaRPr lang="en-US" dirty="0"/>
           </a:p>
@@ -16210,7 +16210,7 @@
           <a:p>
             <a:fld id="{DECF21A4-E71B-4D3A-AF45-E989C23A7BB1}" type="datetimeFigureOut">
               <a:rPr lang="en-US" smtClean="0"/>
-              <a:t>3/20/2022</a:t>
+              <a:t>3/20/2023</a:t>
             </a:fld>
             <a:endParaRPr lang="en-US" dirty="0"/>
           </a:p>
@@ -16761,14 +16761,14 @@
           <a:p>
             <a:pPr algn="l"/>
             <a:r>
-              <a:rPr lang="en-US"/>
-              <a:t>Take your name tag </a:t>
+              <a:rPr lang="en-US" dirty="0"/>
+              <a:t>Name tag </a:t>
             </a:r>
           </a:p>
           <a:p>
             <a:pPr algn="l"/>
             <a:r>
-              <a:rPr lang="en-US"/>
+              <a:rPr lang="en-US" dirty="0"/>
               <a:t>Check-in</a:t>
             </a:r>
           </a:p>
@@ -31875,31 +31875,25 @@
           <a:lstStyle/>
           <a:p>
             <a:r>
-              <a:rPr lang="en-US" sz="2200">
-                <a:hlinkClick r:id="rId3"/>
-              </a:rPr>
-              <a:t>Sign up </a:t>
+              <a:rPr lang="en-US" sz="2200" dirty="0"/>
+              <a:t>Sign up for presentation day (same link for the project meeting)</a:t>
             </a:r>
+          </a:p>
+          <a:p>
             <a:r>
-              <a:rPr lang="en-US" sz="2200"/>
-              <a:t>for presentation day (same link for the project meeting)</a:t>
-            </a:r>
-          </a:p>
-          <a:p>
-            <a:r>
-              <a:rPr lang="en-US" sz="2200"/>
+              <a:rPr lang="en-US" sz="2200" dirty="0"/>
               <a:t>Each team will present 15 mins and 5 mins Q&amp;A </a:t>
             </a:r>
           </a:p>
           <a:p>
             <a:r>
-              <a:rPr lang="en-US" sz="2200"/>
+              <a:rPr lang="en-US" sz="2200" dirty="0"/>
               <a:t>Not all group members need to present (As long as your group finds optimal task allocation). </a:t>
             </a:r>
           </a:p>
           <a:p>
             <a:r>
-              <a:rPr lang="en-US" sz="2200"/>
+              <a:rPr lang="en-US" sz="2200" dirty="0"/>
               <a:t>Discuss questions that allow you to use descriptive statistics (e.g., mean, prop, confidence interval)</a:t>
             </a:r>
           </a:p>
@@ -32022,6 +32016,235 @@
   <p:clrMapOvr>
     <a:masterClrMapping/>
   </p:clrMapOvr>
+  <p:timing>
+    <p:tnLst>
+      <p:par>
+        <p:cTn id="1" dur="indefinite" restart="never" nodeType="tmRoot">
+          <p:childTnLst>
+            <p:seq concurrent="1" nextAc="seek">
+              <p:cTn id="2" dur="indefinite" nodeType="mainSeq">
+                <p:childTnLst>
+                  <p:par>
+                    <p:cTn id="3" fill="hold">
+                      <p:stCondLst>
+                        <p:cond delay="indefinite"/>
+                      </p:stCondLst>
+                      <p:childTnLst>
+                        <p:par>
+                          <p:cTn id="4" fill="hold">
+                            <p:stCondLst>
+                              <p:cond delay="0"/>
+                            </p:stCondLst>
+                            <p:childTnLst>
+                              <p:par>
+                                <p:cTn id="5" presetID="1" presetClass="entr" presetSubtype="0" fill="hold" grpId="0" nodeType="clickEffect">
+                                  <p:stCondLst>
+                                    <p:cond delay="0"/>
+                                  </p:stCondLst>
+                                  <p:childTnLst>
+                                    <p:set>
+                                      <p:cBhvr>
+                                        <p:cTn id="6" dur="1" fill="hold">
+                                          <p:stCondLst>
+                                            <p:cond delay="0"/>
+                                          </p:stCondLst>
+                                        </p:cTn>
+                                        <p:tgtEl>
+                                          <p:spTgt spid="3">
+                                            <p:txEl>
+                                              <p:pRg st="0" end="0"/>
+                                            </p:txEl>
+                                          </p:spTgt>
+                                        </p:tgtEl>
+                                        <p:attrNameLst>
+                                          <p:attrName>style.visibility</p:attrName>
+                                        </p:attrNameLst>
+                                      </p:cBhvr>
+                                      <p:to>
+                                        <p:strVal val="visible"/>
+                                      </p:to>
+                                    </p:set>
+                                  </p:childTnLst>
+                                </p:cTn>
+                              </p:par>
+                            </p:childTnLst>
+                          </p:cTn>
+                        </p:par>
+                      </p:childTnLst>
+                    </p:cTn>
+                  </p:par>
+                  <p:par>
+                    <p:cTn id="7" fill="hold">
+                      <p:stCondLst>
+                        <p:cond delay="indefinite"/>
+                      </p:stCondLst>
+                      <p:childTnLst>
+                        <p:par>
+                          <p:cTn id="8" fill="hold">
+                            <p:stCondLst>
+                              <p:cond delay="0"/>
+                            </p:stCondLst>
+                            <p:childTnLst>
+                              <p:par>
+                                <p:cTn id="9" presetID="1" presetClass="entr" presetSubtype="0" fill="hold" grpId="0" nodeType="clickEffect">
+                                  <p:stCondLst>
+                                    <p:cond delay="0"/>
+                                  </p:stCondLst>
+                                  <p:childTnLst>
+                                    <p:set>
+                                      <p:cBhvr>
+                                        <p:cTn id="10" dur="1" fill="hold">
+                                          <p:stCondLst>
+                                            <p:cond delay="0"/>
+                                          </p:stCondLst>
+                                        </p:cTn>
+                                        <p:tgtEl>
+                                          <p:spTgt spid="3">
+                                            <p:txEl>
+                                              <p:pRg st="1" end="1"/>
+                                            </p:txEl>
+                                          </p:spTgt>
+                                        </p:tgtEl>
+                                        <p:attrNameLst>
+                                          <p:attrName>style.visibility</p:attrName>
+                                        </p:attrNameLst>
+                                      </p:cBhvr>
+                                      <p:to>
+                                        <p:strVal val="visible"/>
+                                      </p:to>
+                                    </p:set>
+                                  </p:childTnLst>
+                                </p:cTn>
+                              </p:par>
+                            </p:childTnLst>
+                          </p:cTn>
+                        </p:par>
+                      </p:childTnLst>
+                    </p:cTn>
+                  </p:par>
+                  <p:par>
+                    <p:cTn id="11" fill="hold">
+                      <p:stCondLst>
+                        <p:cond delay="indefinite"/>
+                      </p:stCondLst>
+                      <p:childTnLst>
+                        <p:par>
+                          <p:cTn id="12" fill="hold">
+                            <p:stCondLst>
+                              <p:cond delay="0"/>
+                            </p:stCondLst>
+                            <p:childTnLst>
+                              <p:par>
+                                <p:cTn id="13" presetID="1" presetClass="entr" presetSubtype="0" fill="hold" grpId="0" nodeType="clickEffect">
+                                  <p:stCondLst>
+                                    <p:cond delay="0"/>
+                                  </p:stCondLst>
+                                  <p:childTnLst>
+                                    <p:set>
+                                      <p:cBhvr>
+                                        <p:cTn id="14" dur="1" fill="hold">
+                                          <p:stCondLst>
+                                            <p:cond delay="0"/>
+                                          </p:stCondLst>
+                                        </p:cTn>
+                                        <p:tgtEl>
+                                          <p:spTgt spid="3">
+                                            <p:txEl>
+                                              <p:pRg st="2" end="2"/>
+                                            </p:txEl>
+                                          </p:spTgt>
+                                        </p:tgtEl>
+                                        <p:attrNameLst>
+                                          <p:attrName>style.visibility</p:attrName>
+                                        </p:attrNameLst>
+                                      </p:cBhvr>
+                                      <p:to>
+                                        <p:strVal val="visible"/>
+                                      </p:to>
+                                    </p:set>
+                                  </p:childTnLst>
+                                </p:cTn>
+                              </p:par>
+                            </p:childTnLst>
+                          </p:cTn>
+                        </p:par>
+                      </p:childTnLst>
+                    </p:cTn>
+                  </p:par>
+                  <p:par>
+                    <p:cTn id="15" fill="hold">
+                      <p:stCondLst>
+                        <p:cond delay="indefinite"/>
+                      </p:stCondLst>
+                      <p:childTnLst>
+                        <p:par>
+                          <p:cTn id="16" fill="hold">
+                            <p:stCondLst>
+                              <p:cond delay="0"/>
+                            </p:stCondLst>
+                            <p:childTnLst>
+                              <p:par>
+                                <p:cTn id="17" presetID="1" presetClass="entr" presetSubtype="0" fill="hold" grpId="0" nodeType="clickEffect">
+                                  <p:stCondLst>
+                                    <p:cond delay="0"/>
+                                  </p:stCondLst>
+                                  <p:childTnLst>
+                                    <p:set>
+                                      <p:cBhvr>
+                                        <p:cTn id="18" dur="1" fill="hold">
+                                          <p:stCondLst>
+                                            <p:cond delay="0"/>
+                                          </p:stCondLst>
+                                        </p:cTn>
+                                        <p:tgtEl>
+                                          <p:spTgt spid="3">
+                                            <p:txEl>
+                                              <p:pRg st="3" end="3"/>
+                                            </p:txEl>
+                                          </p:spTgt>
+                                        </p:tgtEl>
+                                        <p:attrNameLst>
+                                          <p:attrName>style.visibility</p:attrName>
+                                        </p:attrNameLst>
+                                      </p:cBhvr>
+                                      <p:to>
+                                        <p:strVal val="visible"/>
+                                      </p:to>
+                                    </p:set>
+                                  </p:childTnLst>
+                                </p:cTn>
+                              </p:par>
+                            </p:childTnLst>
+                          </p:cTn>
+                        </p:par>
+                      </p:childTnLst>
+                    </p:cTn>
+                  </p:par>
+                </p:childTnLst>
+              </p:cTn>
+              <p:prevCondLst>
+                <p:cond evt="onPrev" delay="0">
+                  <p:tgtEl>
+                    <p:sldTgt/>
+                  </p:tgtEl>
+                </p:cond>
+              </p:prevCondLst>
+              <p:nextCondLst>
+                <p:cond evt="onNext" delay="0">
+                  <p:tgtEl>
+                    <p:sldTgt/>
+                  </p:tgtEl>
+                </p:cond>
+              </p:nextCondLst>
+            </p:seq>
+          </p:childTnLst>
+        </p:cTn>
+      </p:par>
+    </p:tnLst>
+    <p:bldLst>
+      <p:bldP spid="3" grpId="0" build="p"/>
+    </p:bldLst>
+  </p:timing>
 </p:sld>
 </file>
 
@@ -33294,7 +33517,7 @@
           <a:lstStyle/>
           <a:p>
             <a:r>
-              <a:rPr lang="en-US" sz="2000">
+              <a:rPr lang="en-US" sz="2000" dirty="0">
                 <a:solidFill>
                   <a:srgbClr val="FFFFFF"/>
                 </a:solidFill>
@@ -33304,7 +33527,7 @@
           </a:p>
           <a:p>
             <a:r>
-              <a:rPr lang="en-US" sz="2000">
+              <a:rPr lang="en-US" sz="2000" dirty="0">
                 <a:solidFill>
                   <a:srgbClr val="FFFFFF"/>
                 </a:solidFill>
@@ -33718,6 +33941,137 @@
   <p:clrMapOvr>
     <a:masterClrMapping/>
   </p:clrMapOvr>
+  <p:timing>
+    <p:tnLst>
+      <p:par>
+        <p:cTn id="1" dur="indefinite" restart="never" nodeType="tmRoot">
+          <p:childTnLst>
+            <p:seq concurrent="1" nextAc="seek">
+              <p:cTn id="2" dur="indefinite" nodeType="mainSeq">
+                <p:childTnLst>
+                  <p:par>
+                    <p:cTn id="3" fill="hold">
+                      <p:stCondLst>
+                        <p:cond delay="indefinite"/>
+                      </p:stCondLst>
+                      <p:childTnLst>
+                        <p:par>
+                          <p:cTn id="4" fill="hold">
+                            <p:stCondLst>
+                              <p:cond delay="0"/>
+                            </p:stCondLst>
+                            <p:childTnLst>
+                              <p:par>
+                                <p:cTn id="5" presetID="1" presetClass="entr" presetSubtype="0" fill="hold" grpId="0" nodeType="clickEffect">
+                                  <p:stCondLst>
+                                    <p:cond delay="0"/>
+                                  </p:stCondLst>
+                                  <p:childTnLst>
+                                    <p:set>
+                                      <p:cBhvr>
+                                        <p:cTn id="6" dur="1" fill="hold">
+                                          <p:stCondLst>
+                                            <p:cond delay="0"/>
+                                          </p:stCondLst>
+                                        </p:cTn>
+                                        <p:tgtEl>
+                                          <p:spTgt spid="3">
+                                            <p:txEl>
+                                              <p:pRg st="0" end="0"/>
+                                            </p:txEl>
+                                          </p:spTgt>
+                                        </p:tgtEl>
+                                        <p:attrNameLst>
+                                          <p:attrName>style.visibility</p:attrName>
+                                        </p:attrNameLst>
+                                      </p:cBhvr>
+                                      <p:to>
+                                        <p:strVal val="visible"/>
+                                      </p:to>
+                                    </p:set>
+                                  </p:childTnLst>
+                                </p:cTn>
+                              </p:par>
+                            </p:childTnLst>
+                          </p:cTn>
+                        </p:par>
+                      </p:childTnLst>
+                    </p:cTn>
+                  </p:par>
+                  <p:par>
+                    <p:cTn id="7" fill="hold">
+                      <p:stCondLst>
+                        <p:cond delay="indefinite"/>
+                      </p:stCondLst>
+                      <p:childTnLst>
+                        <p:par>
+                          <p:cTn id="8" fill="hold">
+                            <p:stCondLst>
+                              <p:cond delay="0"/>
+                            </p:stCondLst>
+                            <p:childTnLst>
+                              <p:par>
+                                <p:cTn id="9" presetID="1" presetClass="entr" presetSubtype="0" fill="hold" grpId="0" nodeType="clickEffect">
+                                  <p:stCondLst>
+                                    <p:cond delay="0"/>
+                                  </p:stCondLst>
+                                  <p:childTnLst>
+                                    <p:set>
+                                      <p:cBhvr>
+                                        <p:cTn id="10" dur="1" fill="hold">
+                                          <p:stCondLst>
+                                            <p:cond delay="0"/>
+                                          </p:stCondLst>
+                                        </p:cTn>
+                                        <p:tgtEl>
+                                          <p:spTgt spid="3">
+                                            <p:txEl>
+                                              <p:pRg st="1" end="1"/>
+                                            </p:txEl>
+                                          </p:spTgt>
+                                        </p:tgtEl>
+                                        <p:attrNameLst>
+                                          <p:attrName>style.visibility</p:attrName>
+                                        </p:attrNameLst>
+                                      </p:cBhvr>
+                                      <p:to>
+                                        <p:strVal val="visible"/>
+                                      </p:to>
+                                    </p:set>
+                                  </p:childTnLst>
+                                </p:cTn>
+                              </p:par>
+                            </p:childTnLst>
+                          </p:cTn>
+                        </p:par>
+                      </p:childTnLst>
+                    </p:cTn>
+                  </p:par>
+                </p:childTnLst>
+              </p:cTn>
+              <p:prevCondLst>
+                <p:cond evt="onPrev" delay="0">
+                  <p:tgtEl>
+                    <p:sldTgt/>
+                  </p:tgtEl>
+                </p:cond>
+              </p:prevCondLst>
+              <p:nextCondLst>
+                <p:cond evt="onNext" delay="0">
+                  <p:tgtEl>
+                    <p:sldTgt/>
+                  </p:tgtEl>
+                </p:cond>
+              </p:nextCondLst>
+            </p:seq>
+          </p:childTnLst>
+        </p:cTn>
+      </p:par>
+    </p:tnLst>
+    <p:bldLst>
+      <p:bldP spid="3" grpId="0" build="p"/>
+    </p:bldLst>
+  </p:timing>
 </p:sld>
 </file>
 
@@ -34652,6 +35006,186 @@
   <p:clrMapOvr>
     <a:masterClrMapping/>
   </p:clrMapOvr>
+  <p:timing>
+    <p:tnLst>
+      <p:par>
+        <p:cTn id="1" dur="indefinite" restart="never" nodeType="tmRoot">
+          <p:childTnLst>
+            <p:seq concurrent="1" nextAc="seek">
+              <p:cTn id="2" dur="indefinite" nodeType="mainSeq">
+                <p:childTnLst>
+                  <p:par>
+                    <p:cTn id="3" fill="hold">
+                      <p:stCondLst>
+                        <p:cond delay="indefinite"/>
+                      </p:stCondLst>
+                      <p:childTnLst>
+                        <p:par>
+                          <p:cTn id="4" fill="hold">
+                            <p:stCondLst>
+                              <p:cond delay="0"/>
+                            </p:stCondLst>
+                            <p:childTnLst>
+                              <p:par>
+                                <p:cTn id="5" presetID="1" presetClass="entr" presetSubtype="0" fill="hold" grpId="0" nodeType="clickEffect">
+                                  <p:stCondLst>
+                                    <p:cond delay="0"/>
+                                  </p:stCondLst>
+                                  <p:childTnLst>
+                                    <p:set>
+                                      <p:cBhvr>
+                                        <p:cTn id="6" dur="1" fill="hold">
+                                          <p:stCondLst>
+                                            <p:cond delay="0"/>
+                                          </p:stCondLst>
+                                        </p:cTn>
+                                        <p:tgtEl>
+                                          <p:spTgt spid="19">
+                                            <p:txEl>
+                                              <p:pRg st="0" end="0"/>
+                                            </p:txEl>
+                                          </p:spTgt>
+                                        </p:tgtEl>
+                                        <p:attrNameLst>
+                                          <p:attrName>style.visibility</p:attrName>
+                                        </p:attrNameLst>
+                                      </p:cBhvr>
+                                      <p:to>
+                                        <p:strVal val="visible"/>
+                                      </p:to>
+                                    </p:set>
+                                  </p:childTnLst>
+                                </p:cTn>
+                              </p:par>
+                            </p:childTnLst>
+                          </p:cTn>
+                        </p:par>
+                      </p:childTnLst>
+                    </p:cTn>
+                  </p:par>
+                  <p:par>
+                    <p:cTn id="7" fill="hold">
+                      <p:stCondLst>
+                        <p:cond delay="indefinite"/>
+                      </p:stCondLst>
+                      <p:childTnLst>
+                        <p:par>
+                          <p:cTn id="8" fill="hold">
+                            <p:stCondLst>
+                              <p:cond delay="0"/>
+                            </p:stCondLst>
+                            <p:childTnLst>
+                              <p:par>
+                                <p:cTn id="9" presetID="1" presetClass="entr" presetSubtype="0" fill="hold" grpId="0" nodeType="clickEffect">
+                                  <p:stCondLst>
+                                    <p:cond delay="0"/>
+                                  </p:stCondLst>
+                                  <p:childTnLst>
+                                    <p:set>
+                                      <p:cBhvr>
+                                        <p:cTn id="10" dur="1" fill="hold">
+                                          <p:stCondLst>
+                                            <p:cond delay="0"/>
+                                          </p:stCondLst>
+                                        </p:cTn>
+                                        <p:tgtEl>
+                                          <p:spTgt spid="19">
+                                            <p:txEl>
+                                              <p:pRg st="1" end="1"/>
+                                            </p:txEl>
+                                          </p:spTgt>
+                                        </p:tgtEl>
+                                        <p:attrNameLst>
+                                          <p:attrName>style.visibility</p:attrName>
+                                        </p:attrNameLst>
+                                      </p:cBhvr>
+                                      <p:to>
+                                        <p:strVal val="visible"/>
+                                      </p:to>
+                                    </p:set>
+                                  </p:childTnLst>
+                                </p:cTn>
+                              </p:par>
+                            </p:childTnLst>
+                          </p:cTn>
+                        </p:par>
+                      </p:childTnLst>
+                    </p:cTn>
+                  </p:par>
+                  <p:par>
+                    <p:cTn id="11" fill="hold">
+                      <p:stCondLst>
+                        <p:cond delay="indefinite"/>
+                      </p:stCondLst>
+                      <p:childTnLst>
+                        <p:par>
+                          <p:cTn id="12" fill="hold">
+                            <p:stCondLst>
+                              <p:cond delay="0"/>
+                            </p:stCondLst>
+                            <p:childTnLst>
+                              <p:par>
+                                <p:cTn id="13" presetID="1" presetClass="entr" presetSubtype="0" fill="hold" grpId="0" nodeType="clickEffect">
+                                  <p:stCondLst>
+                                    <p:cond delay="0"/>
+                                  </p:stCondLst>
+                                  <p:childTnLst>
+                                    <p:set>
+                                      <p:cBhvr>
+                                        <p:cTn id="14" dur="1" fill="hold">
+                                          <p:stCondLst>
+                                            <p:cond delay="0"/>
+                                          </p:stCondLst>
+                                        </p:cTn>
+                                        <p:tgtEl>
+                                          <p:spTgt spid="19">
+                                            <p:txEl>
+                                              <p:pRg st="2" end="2"/>
+                                            </p:txEl>
+                                          </p:spTgt>
+                                        </p:tgtEl>
+                                        <p:attrNameLst>
+                                          <p:attrName>style.visibility</p:attrName>
+                                        </p:attrNameLst>
+                                      </p:cBhvr>
+                                      <p:to>
+                                        <p:strVal val="visible"/>
+                                      </p:to>
+                                    </p:set>
+                                  </p:childTnLst>
+                                </p:cTn>
+                              </p:par>
+                            </p:childTnLst>
+                          </p:cTn>
+                        </p:par>
+                      </p:childTnLst>
+                    </p:cTn>
+                  </p:par>
+                </p:childTnLst>
+              </p:cTn>
+              <p:prevCondLst>
+                <p:cond evt="onPrev" delay="0">
+                  <p:tgtEl>
+                    <p:sldTgt/>
+                  </p:tgtEl>
+                </p:cond>
+              </p:prevCondLst>
+              <p:nextCondLst>
+                <p:cond evt="onNext" delay="0">
+                  <p:tgtEl>
+                    <p:sldTgt/>
+                  </p:tgtEl>
+                </p:cond>
+              </p:nextCondLst>
+            </p:seq>
+          </p:childTnLst>
+        </p:cTn>
+      </p:par>
+    </p:tnLst>
+    <p:bldLst>
+      <p:bldP spid="19" grpId="0" build="p"/>
+    </p:bldLst>
+  </p:timing>
 </p:sld>
 </file>
 
@@ -35730,6 +36264,443 @@
   <p:clrMapOvr>
     <a:masterClrMapping/>
   </p:clrMapOvr>
+  <p:timing>
+    <p:tnLst>
+      <p:par>
+        <p:cTn id="1" dur="indefinite" restart="never" nodeType="tmRoot">
+          <p:childTnLst>
+            <p:seq concurrent="1" nextAc="seek">
+              <p:cTn id="2" dur="indefinite" nodeType="mainSeq">
+                <p:childTnLst>
+                  <p:par>
+                    <p:cTn id="3" fill="hold">
+                      <p:stCondLst>
+                        <p:cond delay="indefinite"/>
+                      </p:stCondLst>
+                      <p:childTnLst>
+                        <p:par>
+                          <p:cTn id="4" fill="hold">
+                            <p:stCondLst>
+                              <p:cond delay="0"/>
+                            </p:stCondLst>
+                            <p:childTnLst>
+                              <p:par>
+                                <p:cTn id="5" presetID="1" presetClass="entr" presetSubtype="0" fill="hold" grpId="0" nodeType="clickEffect">
+                                  <p:stCondLst>
+                                    <p:cond delay="0"/>
+                                  </p:stCondLst>
+                                  <p:childTnLst>
+                                    <p:set>
+                                      <p:cBhvr>
+                                        <p:cTn id="6" dur="1" fill="hold">
+                                          <p:stCondLst>
+                                            <p:cond delay="0"/>
+                                          </p:stCondLst>
+                                        </p:cTn>
+                                        <p:tgtEl>
+                                          <p:spTgt spid="5">
+                                            <p:graphicEl>
+                                              <a:dgm id="{53EA2642-12E4-4F21-B87F-51A8BD54A75D}"/>
+                                            </p:graphicEl>
+                                          </p:spTgt>
+                                        </p:tgtEl>
+                                        <p:attrNameLst>
+                                          <p:attrName>style.visibility</p:attrName>
+                                        </p:attrNameLst>
+                                      </p:cBhvr>
+                                      <p:to>
+                                        <p:strVal val="visible"/>
+                                      </p:to>
+                                    </p:set>
+                                  </p:childTnLst>
+                                </p:cTn>
+                              </p:par>
+                              <p:par>
+                                <p:cTn id="7" presetID="1" presetClass="entr" presetSubtype="0" fill="hold" grpId="0" nodeType="withEffect">
+                                  <p:stCondLst>
+                                    <p:cond delay="0"/>
+                                  </p:stCondLst>
+                                  <p:childTnLst>
+                                    <p:set>
+                                      <p:cBhvr>
+                                        <p:cTn id="8" dur="1" fill="hold">
+                                          <p:stCondLst>
+                                            <p:cond delay="0"/>
+                                          </p:stCondLst>
+                                        </p:cTn>
+                                        <p:tgtEl>
+                                          <p:spTgt spid="5">
+                                            <p:graphicEl>
+                                              <a:dgm id="{0851AFC0-F8E0-417C-87BC-04BC9CA8FD7B}"/>
+                                            </p:graphicEl>
+                                          </p:spTgt>
+                                        </p:tgtEl>
+                                        <p:attrNameLst>
+                                          <p:attrName>style.visibility</p:attrName>
+                                        </p:attrNameLst>
+                                      </p:cBhvr>
+                                      <p:to>
+                                        <p:strVal val="visible"/>
+                                      </p:to>
+                                    </p:set>
+                                  </p:childTnLst>
+                                </p:cTn>
+                              </p:par>
+                            </p:childTnLst>
+                          </p:cTn>
+                        </p:par>
+                      </p:childTnLst>
+                    </p:cTn>
+                  </p:par>
+                  <p:par>
+                    <p:cTn id="9" fill="hold">
+                      <p:stCondLst>
+                        <p:cond delay="indefinite"/>
+                      </p:stCondLst>
+                      <p:childTnLst>
+                        <p:par>
+                          <p:cTn id="10" fill="hold">
+                            <p:stCondLst>
+                              <p:cond delay="0"/>
+                            </p:stCondLst>
+                            <p:childTnLst>
+                              <p:par>
+                                <p:cTn id="11" presetID="1" presetClass="entr" presetSubtype="0" fill="hold" grpId="0" nodeType="clickEffect">
+                                  <p:stCondLst>
+                                    <p:cond delay="0"/>
+                                  </p:stCondLst>
+                                  <p:childTnLst>
+                                    <p:set>
+                                      <p:cBhvr>
+                                        <p:cTn id="12" dur="1" fill="hold">
+                                          <p:stCondLst>
+                                            <p:cond delay="0"/>
+                                          </p:stCondLst>
+                                        </p:cTn>
+                                        <p:tgtEl>
+                                          <p:spTgt spid="5">
+                                            <p:graphicEl>
+                                              <a:dgm id="{46CF7AC0-86EF-4902-8CD3-78AA8CF741DB}"/>
+                                            </p:graphicEl>
+                                          </p:spTgt>
+                                        </p:tgtEl>
+                                        <p:attrNameLst>
+                                          <p:attrName>style.visibility</p:attrName>
+                                        </p:attrNameLst>
+                                      </p:cBhvr>
+                                      <p:to>
+                                        <p:strVal val="visible"/>
+                                      </p:to>
+                                    </p:set>
+                                  </p:childTnLst>
+                                </p:cTn>
+                              </p:par>
+                              <p:par>
+                                <p:cTn id="13" presetID="1" presetClass="entr" presetSubtype="0" fill="hold" grpId="0" nodeType="withEffect">
+                                  <p:stCondLst>
+                                    <p:cond delay="0"/>
+                                  </p:stCondLst>
+                                  <p:childTnLst>
+                                    <p:set>
+                                      <p:cBhvr>
+                                        <p:cTn id="14" dur="1" fill="hold">
+                                          <p:stCondLst>
+                                            <p:cond delay="0"/>
+                                          </p:stCondLst>
+                                        </p:cTn>
+                                        <p:tgtEl>
+                                          <p:spTgt spid="5">
+                                            <p:graphicEl>
+                                              <a:dgm id="{5296528B-99E6-4EDD-ACBB-BDF80134D67A}"/>
+                                            </p:graphicEl>
+                                          </p:spTgt>
+                                        </p:tgtEl>
+                                        <p:attrNameLst>
+                                          <p:attrName>style.visibility</p:attrName>
+                                        </p:attrNameLst>
+                                      </p:cBhvr>
+                                      <p:to>
+                                        <p:strVal val="visible"/>
+                                      </p:to>
+                                    </p:set>
+                                  </p:childTnLst>
+                                </p:cTn>
+                              </p:par>
+                            </p:childTnLst>
+                          </p:cTn>
+                        </p:par>
+                      </p:childTnLst>
+                    </p:cTn>
+                  </p:par>
+                  <p:par>
+                    <p:cTn id="15" fill="hold">
+                      <p:stCondLst>
+                        <p:cond delay="indefinite"/>
+                      </p:stCondLst>
+                      <p:childTnLst>
+                        <p:par>
+                          <p:cTn id="16" fill="hold">
+                            <p:stCondLst>
+                              <p:cond delay="0"/>
+                            </p:stCondLst>
+                            <p:childTnLst>
+                              <p:par>
+                                <p:cTn id="17" presetID="1" presetClass="entr" presetSubtype="0" fill="hold" grpId="0" nodeType="clickEffect">
+                                  <p:stCondLst>
+                                    <p:cond delay="0"/>
+                                  </p:stCondLst>
+                                  <p:childTnLst>
+                                    <p:set>
+                                      <p:cBhvr>
+                                        <p:cTn id="18" dur="1" fill="hold">
+                                          <p:stCondLst>
+                                            <p:cond delay="0"/>
+                                          </p:stCondLst>
+                                        </p:cTn>
+                                        <p:tgtEl>
+                                          <p:spTgt spid="5">
+                                            <p:graphicEl>
+                                              <a:dgm id="{8A1455AB-E379-42BF-8FC8-716C617A67AC}"/>
+                                            </p:graphicEl>
+                                          </p:spTgt>
+                                        </p:tgtEl>
+                                        <p:attrNameLst>
+                                          <p:attrName>style.visibility</p:attrName>
+                                        </p:attrNameLst>
+                                      </p:cBhvr>
+                                      <p:to>
+                                        <p:strVal val="visible"/>
+                                      </p:to>
+                                    </p:set>
+                                  </p:childTnLst>
+                                </p:cTn>
+                              </p:par>
+                              <p:par>
+                                <p:cTn id="19" presetID="1" presetClass="entr" presetSubtype="0" fill="hold" grpId="0" nodeType="withEffect">
+                                  <p:stCondLst>
+                                    <p:cond delay="0"/>
+                                  </p:stCondLst>
+                                  <p:childTnLst>
+                                    <p:set>
+                                      <p:cBhvr>
+                                        <p:cTn id="20" dur="1" fill="hold">
+                                          <p:stCondLst>
+                                            <p:cond delay="0"/>
+                                          </p:stCondLst>
+                                        </p:cTn>
+                                        <p:tgtEl>
+                                          <p:spTgt spid="5">
+                                            <p:graphicEl>
+                                              <a:dgm id="{B8A6EC0E-2BF8-4E62-92F3-2177CDC60FF6}"/>
+                                            </p:graphicEl>
+                                          </p:spTgt>
+                                        </p:tgtEl>
+                                        <p:attrNameLst>
+                                          <p:attrName>style.visibility</p:attrName>
+                                        </p:attrNameLst>
+                                      </p:cBhvr>
+                                      <p:to>
+                                        <p:strVal val="visible"/>
+                                      </p:to>
+                                    </p:set>
+                                  </p:childTnLst>
+                                </p:cTn>
+                              </p:par>
+                            </p:childTnLst>
+                          </p:cTn>
+                        </p:par>
+                      </p:childTnLst>
+                    </p:cTn>
+                  </p:par>
+                  <p:par>
+                    <p:cTn id="21" fill="hold">
+                      <p:stCondLst>
+                        <p:cond delay="indefinite"/>
+                      </p:stCondLst>
+                      <p:childTnLst>
+                        <p:par>
+                          <p:cTn id="22" fill="hold">
+                            <p:stCondLst>
+                              <p:cond delay="0"/>
+                            </p:stCondLst>
+                            <p:childTnLst>
+                              <p:par>
+                                <p:cTn id="23" presetID="1" presetClass="entr" presetSubtype="0" fill="hold" grpId="0" nodeType="clickEffect">
+                                  <p:stCondLst>
+                                    <p:cond delay="0"/>
+                                  </p:stCondLst>
+                                  <p:childTnLst>
+                                    <p:set>
+                                      <p:cBhvr>
+                                        <p:cTn id="24" dur="1" fill="hold">
+                                          <p:stCondLst>
+                                            <p:cond delay="0"/>
+                                          </p:stCondLst>
+                                        </p:cTn>
+                                        <p:tgtEl>
+                                          <p:spTgt spid="5">
+                                            <p:graphicEl>
+                                              <a:dgm id="{4843FDF1-0FB6-41EC-9B79-9D31B9FA696B}"/>
+                                            </p:graphicEl>
+                                          </p:spTgt>
+                                        </p:tgtEl>
+                                        <p:attrNameLst>
+                                          <p:attrName>style.visibility</p:attrName>
+                                        </p:attrNameLst>
+                                      </p:cBhvr>
+                                      <p:to>
+                                        <p:strVal val="visible"/>
+                                      </p:to>
+                                    </p:set>
+                                  </p:childTnLst>
+                                </p:cTn>
+                              </p:par>
+                              <p:par>
+                                <p:cTn id="25" presetID="1" presetClass="entr" presetSubtype="0" fill="hold" grpId="0" nodeType="withEffect">
+                                  <p:stCondLst>
+                                    <p:cond delay="0"/>
+                                  </p:stCondLst>
+                                  <p:childTnLst>
+                                    <p:set>
+                                      <p:cBhvr>
+                                        <p:cTn id="26" dur="1" fill="hold">
+                                          <p:stCondLst>
+                                            <p:cond delay="0"/>
+                                          </p:stCondLst>
+                                        </p:cTn>
+                                        <p:tgtEl>
+                                          <p:spTgt spid="5">
+                                            <p:graphicEl>
+                                              <a:dgm id="{6177BD73-1D51-45F6-9F05-3B6BAE3F481A}"/>
+                                            </p:graphicEl>
+                                          </p:spTgt>
+                                        </p:tgtEl>
+                                        <p:attrNameLst>
+                                          <p:attrName>style.visibility</p:attrName>
+                                        </p:attrNameLst>
+                                      </p:cBhvr>
+                                      <p:to>
+                                        <p:strVal val="visible"/>
+                                      </p:to>
+                                    </p:set>
+                                  </p:childTnLst>
+                                </p:cTn>
+                              </p:par>
+                            </p:childTnLst>
+                          </p:cTn>
+                        </p:par>
+                      </p:childTnLst>
+                    </p:cTn>
+                  </p:par>
+                  <p:par>
+                    <p:cTn id="27" fill="hold">
+                      <p:stCondLst>
+                        <p:cond delay="indefinite"/>
+                      </p:stCondLst>
+                      <p:childTnLst>
+                        <p:par>
+                          <p:cTn id="28" fill="hold">
+                            <p:stCondLst>
+                              <p:cond delay="0"/>
+                            </p:stCondLst>
+                            <p:childTnLst>
+                              <p:par>
+                                <p:cTn id="29" presetID="1" presetClass="entr" presetSubtype="0" fill="hold" grpId="0" nodeType="clickEffect">
+                                  <p:stCondLst>
+                                    <p:cond delay="0"/>
+                                  </p:stCondLst>
+                                  <p:childTnLst>
+                                    <p:set>
+                                      <p:cBhvr>
+                                        <p:cTn id="30" dur="1" fill="hold">
+                                          <p:stCondLst>
+                                            <p:cond delay="0"/>
+                                          </p:stCondLst>
+                                        </p:cTn>
+                                        <p:tgtEl>
+                                          <p:spTgt spid="5">
+                                            <p:graphicEl>
+                                              <a:dgm id="{75659748-DD77-49AD-8501-BCF9A2F8863B}"/>
+                                            </p:graphicEl>
+                                          </p:spTgt>
+                                        </p:tgtEl>
+                                        <p:attrNameLst>
+                                          <p:attrName>style.visibility</p:attrName>
+                                        </p:attrNameLst>
+                                      </p:cBhvr>
+                                      <p:to>
+                                        <p:strVal val="visible"/>
+                                      </p:to>
+                                    </p:set>
+                                  </p:childTnLst>
+                                </p:cTn>
+                              </p:par>
+                              <p:par>
+                                <p:cTn id="31" presetID="1" presetClass="entr" presetSubtype="0" fill="hold" grpId="0" nodeType="withEffect">
+                                  <p:stCondLst>
+                                    <p:cond delay="0"/>
+                                  </p:stCondLst>
+                                  <p:childTnLst>
+                                    <p:set>
+                                      <p:cBhvr>
+                                        <p:cTn id="32" dur="1" fill="hold">
+                                          <p:stCondLst>
+                                            <p:cond delay="0"/>
+                                          </p:stCondLst>
+                                        </p:cTn>
+                                        <p:tgtEl>
+                                          <p:spTgt spid="5">
+                                            <p:graphicEl>
+                                              <a:dgm id="{C3012AA1-4561-4154-B1EA-5465D658B800}"/>
+                                            </p:graphicEl>
+                                          </p:spTgt>
+                                        </p:tgtEl>
+                                        <p:attrNameLst>
+                                          <p:attrName>style.visibility</p:attrName>
+                                        </p:attrNameLst>
+                                      </p:cBhvr>
+                                      <p:to>
+                                        <p:strVal val="visible"/>
+                                      </p:to>
+                                    </p:set>
+                                  </p:childTnLst>
+                                </p:cTn>
+                              </p:par>
+                            </p:childTnLst>
+                          </p:cTn>
+                        </p:par>
+                      </p:childTnLst>
+                    </p:cTn>
+                  </p:par>
+                </p:childTnLst>
+              </p:cTn>
+              <p:prevCondLst>
+                <p:cond evt="onPrev" delay="0">
+                  <p:tgtEl>
+                    <p:sldTgt/>
+                  </p:tgtEl>
+                </p:cond>
+              </p:prevCondLst>
+              <p:nextCondLst>
+                <p:cond evt="onNext" delay="0">
+                  <p:tgtEl>
+                    <p:sldTgt/>
+                  </p:tgtEl>
+                </p:cond>
+              </p:nextCondLst>
+            </p:seq>
+          </p:childTnLst>
+        </p:cTn>
+      </p:par>
+    </p:tnLst>
+    <p:bldLst>
+      <p:bldGraphic spid="5" grpId="0">
+        <p:bldSub>
+          <a:bldDgm bld="one"/>
+        </p:bldSub>
+      </p:bldGraphic>
+    </p:bldLst>
+  </p:timing>
 </p:sld>
 </file>
 
